--- a/document/GUI- Look and Feel.pptx
+++ b/document/GUI- Look and Feel.pptx
@@ -6,7 +6,31 @@
   </p:sldMasterIdLst>
   <p:sldIdLst>
     <p:sldId id="256" r:id="rId2"/>
-    <p:sldId id="257" r:id="rId3"/>
+    <p:sldId id="259" r:id="rId3"/>
+    <p:sldId id="260" r:id="rId4"/>
+    <p:sldId id="261" r:id="rId5"/>
+    <p:sldId id="262" r:id="rId6"/>
+    <p:sldId id="279" r:id="rId7"/>
+    <p:sldId id="280" r:id="rId8"/>
+    <p:sldId id="281" r:id="rId9"/>
+    <p:sldId id="282" r:id="rId10"/>
+    <p:sldId id="263" r:id="rId11"/>
+    <p:sldId id="264" r:id="rId12"/>
+    <p:sldId id="265" r:id="rId13"/>
+    <p:sldId id="266" r:id="rId14"/>
+    <p:sldId id="267" r:id="rId15"/>
+    <p:sldId id="268" r:id="rId16"/>
+    <p:sldId id="269" r:id="rId17"/>
+    <p:sldId id="270" r:id="rId18"/>
+    <p:sldId id="271" r:id="rId19"/>
+    <p:sldId id="272" r:id="rId20"/>
+    <p:sldId id="273" r:id="rId21"/>
+    <p:sldId id="274" r:id="rId22"/>
+    <p:sldId id="275" r:id="rId23"/>
+    <p:sldId id="276" r:id="rId24"/>
+    <p:sldId id="277" r:id="rId25"/>
+    <p:sldId id="278" r:id="rId26"/>
+    <p:sldId id="258" r:id="rId27"/>
   </p:sldIdLst>
   <p:sldSz cx="9144000" cy="6858000" type="screen4x3"/>
   <p:notesSz cx="6858000" cy="9144000"/>
@@ -289,7 +313,8 @@
           <a:p>
             <a:fld id="{ADF4A19C-92D1-4EA8-AF96-2E7A353FF378}" type="datetimeFigureOut">
               <a:rPr lang="en-US" smtClean="0"/>
-              <a:t>10/2/2016</a:t>
+              <a:pPr/>
+              <a:t>10/7/2016</a:t>
             </a:fld>
             <a:endParaRPr lang="en-US"/>
           </a:p>
@@ -331,6 +356,7 @@
           <a:p>
             <a:fld id="{C34E383E-E22B-4B01-99D3-CC63AE78C258}" type="slidenum">
               <a:rPr lang="en-US" smtClean="0"/>
+              <a:pPr/>
               <a:t>‹#›</a:t>
             </a:fld>
             <a:endParaRPr lang="en-US"/>
@@ -454,7 +480,8 @@
           <a:p>
             <a:fld id="{ADF4A19C-92D1-4EA8-AF96-2E7A353FF378}" type="datetimeFigureOut">
               <a:rPr lang="en-US" smtClean="0"/>
-              <a:t>10/2/2016</a:t>
+              <a:pPr/>
+              <a:t>10/7/2016</a:t>
             </a:fld>
             <a:endParaRPr lang="en-US"/>
           </a:p>
@@ -496,6 +523,7 @@
           <a:p>
             <a:fld id="{C34E383E-E22B-4B01-99D3-CC63AE78C258}" type="slidenum">
               <a:rPr lang="en-US" smtClean="0"/>
+              <a:pPr/>
               <a:t>‹#›</a:t>
             </a:fld>
             <a:endParaRPr lang="en-US"/>
@@ -629,7 +657,8 @@
           <a:p>
             <a:fld id="{ADF4A19C-92D1-4EA8-AF96-2E7A353FF378}" type="datetimeFigureOut">
               <a:rPr lang="en-US" smtClean="0"/>
-              <a:t>10/2/2016</a:t>
+              <a:pPr/>
+              <a:t>10/7/2016</a:t>
             </a:fld>
             <a:endParaRPr lang="en-US"/>
           </a:p>
@@ -671,6 +700,7 @@
           <a:p>
             <a:fld id="{C34E383E-E22B-4B01-99D3-CC63AE78C258}" type="slidenum">
               <a:rPr lang="en-US" smtClean="0"/>
+              <a:pPr/>
               <a:t>‹#›</a:t>
             </a:fld>
             <a:endParaRPr lang="en-US"/>
@@ -794,7 +824,8 @@
           <a:p>
             <a:fld id="{ADF4A19C-92D1-4EA8-AF96-2E7A353FF378}" type="datetimeFigureOut">
               <a:rPr lang="en-US" smtClean="0"/>
-              <a:t>10/2/2016</a:t>
+              <a:pPr/>
+              <a:t>10/7/2016</a:t>
             </a:fld>
             <a:endParaRPr lang="en-US"/>
           </a:p>
@@ -836,6 +867,7 @@
           <a:p>
             <a:fld id="{C34E383E-E22B-4B01-99D3-CC63AE78C258}" type="slidenum">
               <a:rPr lang="en-US" smtClean="0"/>
+              <a:pPr/>
               <a:t>‹#›</a:t>
             </a:fld>
             <a:endParaRPr lang="en-US"/>
@@ -1035,7 +1067,8 @@
           <a:p>
             <a:fld id="{ADF4A19C-92D1-4EA8-AF96-2E7A353FF378}" type="datetimeFigureOut">
               <a:rPr lang="en-US" smtClean="0"/>
-              <a:t>10/2/2016</a:t>
+              <a:pPr/>
+              <a:t>10/7/2016</a:t>
             </a:fld>
             <a:endParaRPr lang="en-US"/>
           </a:p>
@@ -1077,6 +1110,7 @@
           <a:p>
             <a:fld id="{C34E383E-E22B-4B01-99D3-CC63AE78C258}" type="slidenum">
               <a:rPr lang="en-US" smtClean="0"/>
+              <a:pPr/>
               <a:t>‹#›</a:t>
             </a:fld>
             <a:endParaRPr lang="en-US"/>
@@ -1318,7 +1352,8 @@
           <a:p>
             <a:fld id="{ADF4A19C-92D1-4EA8-AF96-2E7A353FF378}" type="datetimeFigureOut">
               <a:rPr lang="en-US" smtClean="0"/>
-              <a:t>10/2/2016</a:t>
+              <a:pPr/>
+              <a:t>10/7/2016</a:t>
             </a:fld>
             <a:endParaRPr lang="en-US"/>
           </a:p>
@@ -1360,6 +1395,7 @@
           <a:p>
             <a:fld id="{C34E383E-E22B-4B01-99D3-CC63AE78C258}" type="slidenum">
               <a:rPr lang="en-US" smtClean="0"/>
+              <a:pPr/>
               <a:t>‹#›</a:t>
             </a:fld>
             <a:endParaRPr lang="en-US"/>
@@ -1735,7 +1771,8 @@
           <a:p>
             <a:fld id="{ADF4A19C-92D1-4EA8-AF96-2E7A353FF378}" type="datetimeFigureOut">
               <a:rPr lang="en-US" smtClean="0"/>
-              <a:t>10/2/2016</a:t>
+              <a:pPr/>
+              <a:t>10/7/2016</a:t>
             </a:fld>
             <a:endParaRPr lang="en-US"/>
           </a:p>
@@ -1777,6 +1814,7 @@
           <a:p>
             <a:fld id="{C34E383E-E22B-4B01-99D3-CC63AE78C258}" type="slidenum">
               <a:rPr lang="en-US" smtClean="0"/>
+              <a:pPr/>
               <a:t>‹#›</a:t>
             </a:fld>
             <a:endParaRPr lang="en-US"/>
@@ -1848,7 +1886,8 @@
           <a:p>
             <a:fld id="{ADF4A19C-92D1-4EA8-AF96-2E7A353FF378}" type="datetimeFigureOut">
               <a:rPr lang="en-US" smtClean="0"/>
-              <a:t>10/2/2016</a:t>
+              <a:pPr/>
+              <a:t>10/7/2016</a:t>
             </a:fld>
             <a:endParaRPr lang="en-US"/>
           </a:p>
@@ -1890,6 +1929,7 @@
           <a:p>
             <a:fld id="{C34E383E-E22B-4B01-99D3-CC63AE78C258}" type="slidenum">
               <a:rPr lang="en-US" smtClean="0"/>
+              <a:pPr/>
               <a:t>‹#›</a:t>
             </a:fld>
             <a:endParaRPr lang="en-US"/>
@@ -1938,7 +1978,8 @@
           <a:p>
             <a:fld id="{ADF4A19C-92D1-4EA8-AF96-2E7A353FF378}" type="datetimeFigureOut">
               <a:rPr lang="en-US" smtClean="0"/>
-              <a:t>10/2/2016</a:t>
+              <a:pPr/>
+              <a:t>10/7/2016</a:t>
             </a:fld>
             <a:endParaRPr lang="en-US"/>
           </a:p>
@@ -1980,6 +2021,7 @@
           <a:p>
             <a:fld id="{C34E383E-E22B-4B01-99D3-CC63AE78C258}" type="slidenum">
               <a:rPr lang="en-US" smtClean="0"/>
+              <a:pPr/>
               <a:t>‹#›</a:t>
             </a:fld>
             <a:endParaRPr lang="en-US"/>
@@ -2210,7 +2252,8 @@
           <a:p>
             <a:fld id="{ADF4A19C-92D1-4EA8-AF96-2E7A353FF378}" type="datetimeFigureOut">
               <a:rPr lang="en-US" smtClean="0"/>
-              <a:t>10/2/2016</a:t>
+              <a:pPr/>
+              <a:t>10/7/2016</a:t>
             </a:fld>
             <a:endParaRPr lang="en-US"/>
           </a:p>
@@ -2252,6 +2295,7 @@
           <a:p>
             <a:fld id="{C34E383E-E22B-4B01-99D3-CC63AE78C258}" type="slidenum">
               <a:rPr lang="en-US" smtClean="0"/>
+              <a:pPr/>
               <a:t>‹#›</a:t>
             </a:fld>
             <a:endParaRPr lang="en-US"/>
@@ -2458,7 +2502,8 @@
           <a:p>
             <a:fld id="{ADF4A19C-92D1-4EA8-AF96-2E7A353FF378}" type="datetimeFigureOut">
               <a:rPr lang="en-US" smtClean="0"/>
-              <a:t>10/2/2016</a:t>
+              <a:pPr/>
+              <a:t>10/7/2016</a:t>
             </a:fld>
             <a:endParaRPr lang="en-US"/>
           </a:p>
@@ -2500,6 +2545,7 @@
           <a:p>
             <a:fld id="{C34E383E-E22B-4B01-99D3-CC63AE78C258}" type="slidenum">
               <a:rPr lang="en-US" smtClean="0"/>
+              <a:pPr/>
               <a:t>‹#›</a:t>
             </a:fld>
             <a:endParaRPr lang="en-US"/>
@@ -2666,7 +2712,8 @@
           <a:p>
             <a:fld id="{ADF4A19C-92D1-4EA8-AF96-2E7A353FF378}" type="datetimeFigureOut">
               <a:rPr lang="en-US" smtClean="0"/>
-              <a:t>10/2/2016</a:t>
+              <a:pPr/>
+              <a:t>10/7/2016</a:t>
             </a:fld>
             <a:endParaRPr lang="en-US"/>
           </a:p>
@@ -2744,6 +2791,7 @@
           <a:p>
             <a:fld id="{C34E383E-E22B-4B01-99D3-CC63AE78C258}" type="slidenum">
               <a:rPr lang="en-US" smtClean="0"/>
+              <a:pPr/>
               <a:t>‹#›</a:t>
             </a:fld>
             <a:endParaRPr lang="en-US"/>
@@ -3094,7 +3142,1108 @@
 </p:sld>
 </file>
 
+<file path=ppt/slides/slide10.xml><?xml version="1.0" encoding="utf-8"?>
+<p:sld xmlns:a="http://schemas.openxmlformats.org/drawingml/2006/main" xmlns:r="http://schemas.openxmlformats.org/officeDocument/2006/relationships" xmlns:p="http://schemas.openxmlformats.org/presentationml/2006/main">
+  <p:cSld>
+    <p:spTree>
+      <p:nvGrpSpPr>
+        <p:cNvPr id="1" name=""/>
+        <p:cNvGrpSpPr/>
+        <p:nvPr/>
+      </p:nvGrpSpPr>
+      <p:grpSpPr>
+        <a:xfrm>
+          <a:off x="0" y="0"/>
+          <a:ext cx="0" cy="0"/>
+          <a:chOff x="0" y="0"/>
+          <a:chExt cx="0" cy="0"/>
+        </a:xfrm>
+      </p:grpSpPr>
+      <p:sp>
+        <p:nvSpPr>
+          <p:cNvPr id="2" name="Title 1"/>
+          <p:cNvSpPr>
+            <a:spLocks noGrp="1"/>
+          </p:cNvSpPr>
+          <p:nvPr>
+            <p:ph type="title"/>
+          </p:nvPr>
+        </p:nvSpPr>
+        <p:spPr/>
+        <p:txBody>
+          <a:bodyPr/>
+          <a:lstStyle/>
+          <a:p>
+            <a:r>
+              <a:rPr lang="en-US" dirty="0" smtClean="0"/>
+              <a:t>Android News Feed</a:t>
+            </a:r>
+            <a:endParaRPr lang="en-US" dirty="0"/>
+          </a:p>
+        </p:txBody>
+      </p:sp>
+      <p:sp>
+        <p:nvSpPr>
+          <p:cNvPr id="3" name="Content Placeholder 2"/>
+          <p:cNvSpPr>
+            <a:spLocks noGrp="1"/>
+          </p:cNvSpPr>
+          <p:nvPr>
+            <p:ph idx="1"/>
+          </p:nvPr>
+        </p:nvSpPr>
+        <p:spPr/>
+        <p:txBody>
+          <a:bodyPr/>
+          <a:lstStyle/>
+          <a:p>
+            <a:r>
+              <a:rPr lang="en-US" dirty="0" smtClean="0"/>
+              <a:t>Stories in news feed can be serialized to JSON</a:t>
+            </a:r>
+          </a:p>
+          <a:p>
+            <a:r>
+              <a:rPr lang="en-US" dirty="0" smtClean="0"/>
+              <a:t>We can dump hundreds of JSON and get coverage without much effort</a:t>
+            </a:r>
+            <a:endParaRPr lang="en-US" dirty="0"/>
+          </a:p>
+        </p:txBody>
+      </p:sp>
+    </p:spTree>
+  </p:cSld>
+  <p:clrMapOvr>
+    <a:masterClrMapping/>
+  </p:clrMapOvr>
+</p:sld>
+</file>
+
+<file path=ppt/slides/slide11.xml><?xml version="1.0" encoding="utf-8"?>
+<p:sld xmlns:a="http://schemas.openxmlformats.org/drawingml/2006/main" xmlns:r="http://schemas.openxmlformats.org/officeDocument/2006/relationships" xmlns:p="http://schemas.openxmlformats.org/presentationml/2006/main">
+  <p:cSld>
+    <p:spTree>
+      <p:nvGrpSpPr>
+        <p:cNvPr id="1" name=""/>
+        <p:cNvGrpSpPr/>
+        <p:nvPr/>
+      </p:nvGrpSpPr>
+      <p:grpSpPr>
+        <a:xfrm>
+          <a:off x="0" y="0"/>
+          <a:ext cx="0" cy="0"/>
+          <a:chOff x="0" y="0"/>
+          <a:chExt cx="0" cy="0"/>
+        </a:xfrm>
+      </p:grpSpPr>
+      <p:sp>
+        <p:nvSpPr>
+          <p:cNvPr id="2" name="Title 1"/>
+          <p:cNvSpPr>
+            <a:spLocks noGrp="1"/>
+          </p:cNvSpPr>
+          <p:nvPr>
+            <p:ph type="title"/>
+          </p:nvPr>
+        </p:nvSpPr>
+        <p:spPr/>
+        <p:txBody>
+          <a:bodyPr/>
+          <a:lstStyle/>
+          <a:p>
+            <a:endParaRPr lang="en-US"/>
+          </a:p>
+        </p:txBody>
+      </p:sp>
+      <p:sp>
+        <p:nvSpPr>
+          <p:cNvPr id="3" name="Content Placeholder 2"/>
+          <p:cNvSpPr>
+            <a:spLocks noGrp="1"/>
+          </p:cNvSpPr>
+          <p:nvPr>
+            <p:ph idx="1"/>
+          </p:nvPr>
+        </p:nvSpPr>
+        <p:spPr/>
+        <p:txBody>
+          <a:bodyPr/>
+          <a:lstStyle/>
+          <a:p>
+            <a:endParaRPr lang="en-US"/>
+          </a:p>
+        </p:txBody>
+      </p:sp>
+    </p:spTree>
+  </p:cSld>
+  <p:clrMapOvr>
+    <a:masterClrMapping/>
+  </p:clrMapOvr>
+</p:sld>
+</file>
+
+<file path=ppt/slides/slide12.xml><?xml version="1.0" encoding="utf-8"?>
+<p:sld xmlns:a="http://schemas.openxmlformats.org/drawingml/2006/main" xmlns:r="http://schemas.openxmlformats.org/officeDocument/2006/relationships" xmlns:p="http://schemas.openxmlformats.org/presentationml/2006/main">
+  <p:cSld>
+    <p:spTree>
+      <p:nvGrpSpPr>
+        <p:cNvPr id="1" name=""/>
+        <p:cNvGrpSpPr/>
+        <p:nvPr/>
+      </p:nvGrpSpPr>
+      <p:grpSpPr>
+        <a:xfrm>
+          <a:off x="0" y="0"/>
+          <a:ext cx="0" cy="0"/>
+          <a:chOff x="0" y="0"/>
+          <a:chExt cx="0" cy="0"/>
+        </a:xfrm>
+      </p:grpSpPr>
+      <p:sp>
+        <p:nvSpPr>
+          <p:cNvPr id="2" name="Title 1"/>
+          <p:cNvSpPr>
+            <a:spLocks noGrp="1"/>
+          </p:cNvSpPr>
+          <p:nvPr>
+            <p:ph type="title"/>
+          </p:nvPr>
+        </p:nvSpPr>
+        <p:spPr/>
+        <p:txBody>
+          <a:bodyPr/>
+          <a:lstStyle/>
+          <a:p>
+            <a:endParaRPr lang="en-US"/>
+          </a:p>
+        </p:txBody>
+      </p:sp>
+      <p:sp>
+        <p:nvSpPr>
+          <p:cNvPr id="3" name="Content Placeholder 2"/>
+          <p:cNvSpPr>
+            <a:spLocks noGrp="1"/>
+          </p:cNvSpPr>
+          <p:nvPr>
+            <p:ph idx="1"/>
+          </p:nvPr>
+        </p:nvSpPr>
+        <p:spPr/>
+        <p:txBody>
+          <a:bodyPr/>
+          <a:lstStyle/>
+          <a:p>
+            <a:endParaRPr lang="en-US"/>
+          </a:p>
+        </p:txBody>
+      </p:sp>
+    </p:spTree>
+  </p:cSld>
+  <p:clrMapOvr>
+    <a:masterClrMapping/>
+  </p:clrMapOvr>
+</p:sld>
+</file>
+
+<file path=ppt/slides/slide13.xml><?xml version="1.0" encoding="utf-8"?>
+<p:sld xmlns:a="http://schemas.openxmlformats.org/drawingml/2006/main" xmlns:r="http://schemas.openxmlformats.org/officeDocument/2006/relationships" xmlns:p="http://schemas.openxmlformats.org/presentationml/2006/main">
+  <p:cSld>
+    <p:spTree>
+      <p:nvGrpSpPr>
+        <p:cNvPr id="1" name=""/>
+        <p:cNvGrpSpPr/>
+        <p:nvPr/>
+      </p:nvGrpSpPr>
+      <p:grpSpPr>
+        <a:xfrm>
+          <a:off x="0" y="0"/>
+          <a:ext cx="0" cy="0"/>
+          <a:chOff x="0" y="0"/>
+          <a:chExt cx="0" cy="0"/>
+        </a:xfrm>
+      </p:grpSpPr>
+      <p:sp>
+        <p:nvSpPr>
+          <p:cNvPr id="2" name="Title 1"/>
+          <p:cNvSpPr>
+            <a:spLocks noGrp="1"/>
+          </p:cNvSpPr>
+          <p:nvPr>
+            <p:ph type="title"/>
+          </p:nvPr>
+        </p:nvSpPr>
+        <p:spPr/>
+        <p:txBody>
+          <a:bodyPr/>
+          <a:lstStyle/>
+          <a:p>
+            <a:endParaRPr lang="en-US"/>
+          </a:p>
+        </p:txBody>
+      </p:sp>
+      <p:sp>
+        <p:nvSpPr>
+          <p:cNvPr id="3" name="Content Placeholder 2"/>
+          <p:cNvSpPr>
+            <a:spLocks noGrp="1"/>
+          </p:cNvSpPr>
+          <p:nvPr>
+            <p:ph idx="1"/>
+          </p:nvPr>
+        </p:nvSpPr>
+        <p:spPr/>
+        <p:txBody>
+          <a:bodyPr/>
+          <a:lstStyle/>
+          <a:p>
+            <a:endParaRPr lang="en-US"/>
+          </a:p>
+        </p:txBody>
+      </p:sp>
+    </p:spTree>
+  </p:cSld>
+  <p:clrMapOvr>
+    <a:masterClrMapping/>
+  </p:clrMapOvr>
+</p:sld>
+</file>
+
+<file path=ppt/slides/slide14.xml><?xml version="1.0" encoding="utf-8"?>
+<p:sld xmlns:a="http://schemas.openxmlformats.org/drawingml/2006/main" xmlns:r="http://schemas.openxmlformats.org/officeDocument/2006/relationships" xmlns:p="http://schemas.openxmlformats.org/presentationml/2006/main">
+  <p:cSld>
+    <p:spTree>
+      <p:nvGrpSpPr>
+        <p:cNvPr id="1" name=""/>
+        <p:cNvGrpSpPr/>
+        <p:nvPr/>
+      </p:nvGrpSpPr>
+      <p:grpSpPr>
+        <a:xfrm>
+          <a:off x="0" y="0"/>
+          <a:ext cx="0" cy="0"/>
+          <a:chOff x="0" y="0"/>
+          <a:chExt cx="0" cy="0"/>
+        </a:xfrm>
+      </p:grpSpPr>
+      <p:sp>
+        <p:nvSpPr>
+          <p:cNvPr id="2" name="Title 1"/>
+          <p:cNvSpPr>
+            <a:spLocks noGrp="1"/>
+          </p:cNvSpPr>
+          <p:nvPr>
+            <p:ph type="title"/>
+          </p:nvPr>
+        </p:nvSpPr>
+        <p:spPr/>
+        <p:txBody>
+          <a:bodyPr/>
+          <a:lstStyle/>
+          <a:p>
+            <a:endParaRPr lang="en-US"/>
+          </a:p>
+        </p:txBody>
+      </p:sp>
+      <p:sp>
+        <p:nvSpPr>
+          <p:cNvPr id="3" name="Content Placeholder 2"/>
+          <p:cNvSpPr>
+            <a:spLocks noGrp="1"/>
+          </p:cNvSpPr>
+          <p:nvPr>
+            <p:ph idx="1"/>
+          </p:nvPr>
+        </p:nvSpPr>
+        <p:spPr/>
+        <p:txBody>
+          <a:bodyPr/>
+          <a:lstStyle/>
+          <a:p>
+            <a:endParaRPr lang="en-US"/>
+          </a:p>
+        </p:txBody>
+      </p:sp>
+    </p:spTree>
+  </p:cSld>
+  <p:clrMapOvr>
+    <a:masterClrMapping/>
+  </p:clrMapOvr>
+</p:sld>
+</file>
+
+<file path=ppt/slides/slide15.xml><?xml version="1.0" encoding="utf-8"?>
+<p:sld xmlns:a="http://schemas.openxmlformats.org/drawingml/2006/main" xmlns:r="http://schemas.openxmlformats.org/officeDocument/2006/relationships" xmlns:p="http://schemas.openxmlformats.org/presentationml/2006/main">
+  <p:cSld>
+    <p:spTree>
+      <p:nvGrpSpPr>
+        <p:cNvPr id="1" name=""/>
+        <p:cNvGrpSpPr/>
+        <p:nvPr/>
+      </p:nvGrpSpPr>
+      <p:grpSpPr>
+        <a:xfrm>
+          <a:off x="0" y="0"/>
+          <a:ext cx="0" cy="0"/>
+          <a:chOff x="0" y="0"/>
+          <a:chExt cx="0" cy="0"/>
+        </a:xfrm>
+      </p:grpSpPr>
+      <p:sp>
+        <p:nvSpPr>
+          <p:cNvPr id="2" name="Title 1"/>
+          <p:cNvSpPr>
+            <a:spLocks noGrp="1"/>
+          </p:cNvSpPr>
+          <p:nvPr>
+            <p:ph type="title"/>
+          </p:nvPr>
+        </p:nvSpPr>
+        <p:spPr/>
+        <p:txBody>
+          <a:bodyPr/>
+          <a:lstStyle/>
+          <a:p>
+            <a:endParaRPr lang="en-US"/>
+          </a:p>
+        </p:txBody>
+      </p:sp>
+      <p:sp>
+        <p:nvSpPr>
+          <p:cNvPr id="3" name="Content Placeholder 2"/>
+          <p:cNvSpPr>
+            <a:spLocks noGrp="1"/>
+          </p:cNvSpPr>
+          <p:nvPr>
+            <p:ph idx="1"/>
+          </p:nvPr>
+        </p:nvSpPr>
+        <p:spPr/>
+        <p:txBody>
+          <a:bodyPr/>
+          <a:lstStyle/>
+          <a:p>
+            <a:endParaRPr lang="en-US"/>
+          </a:p>
+        </p:txBody>
+      </p:sp>
+    </p:spTree>
+  </p:cSld>
+  <p:clrMapOvr>
+    <a:masterClrMapping/>
+  </p:clrMapOvr>
+</p:sld>
+</file>
+
+<file path=ppt/slides/slide16.xml><?xml version="1.0" encoding="utf-8"?>
+<p:sld xmlns:a="http://schemas.openxmlformats.org/drawingml/2006/main" xmlns:r="http://schemas.openxmlformats.org/officeDocument/2006/relationships" xmlns:p="http://schemas.openxmlformats.org/presentationml/2006/main">
+  <p:cSld>
+    <p:spTree>
+      <p:nvGrpSpPr>
+        <p:cNvPr id="1" name=""/>
+        <p:cNvGrpSpPr/>
+        <p:nvPr/>
+      </p:nvGrpSpPr>
+      <p:grpSpPr>
+        <a:xfrm>
+          <a:off x="0" y="0"/>
+          <a:ext cx="0" cy="0"/>
+          <a:chOff x="0" y="0"/>
+          <a:chExt cx="0" cy="0"/>
+        </a:xfrm>
+      </p:grpSpPr>
+      <p:sp>
+        <p:nvSpPr>
+          <p:cNvPr id="2" name="Title 1"/>
+          <p:cNvSpPr>
+            <a:spLocks noGrp="1"/>
+          </p:cNvSpPr>
+          <p:nvPr>
+            <p:ph type="title"/>
+          </p:nvPr>
+        </p:nvSpPr>
+        <p:spPr/>
+        <p:txBody>
+          <a:bodyPr/>
+          <a:lstStyle/>
+          <a:p>
+            <a:endParaRPr lang="en-US"/>
+          </a:p>
+        </p:txBody>
+      </p:sp>
+      <p:sp>
+        <p:nvSpPr>
+          <p:cNvPr id="3" name="Content Placeholder 2"/>
+          <p:cNvSpPr>
+            <a:spLocks noGrp="1"/>
+          </p:cNvSpPr>
+          <p:nvPr>
+            <p:ph idx="1"/>
+          </p:nvPr>
+        </p:nvSpPr>
+        <p:spPr/>
+        <p:txBody>
+          <a:bodyPr/>
+          <a:lstStyle/>
+          <a:p>
+            <a:endParaRPr lang="en-US"/>
+          </a:p>
+        </p:txBody>
+      </p:sp>
+    </p:spTree>
+  </p:cSld>
+  <p:clrMapOvr>
+    <a:masterClrMapping/>
+  </p:clrMapOvr>
+</p:sld>
+</file>
+
+<file path=ppt/slides/slide17.xml><?xml version="1.0" encoding="utf-8"?>
+<p:sld xmlns:a="http://schemas.openxmlformats.org/drawingml/2006/main" xmlns:r="http://schemas.openxmlformats.org/officeDocument/2006/relationships" xmlns:p="http://schemas.openxmlformats.org/presentationml/2006/main">
+  <p:cSld>
+    <p:spTree>
+      <p:nvGrpSpPr>
+        <p:cNvPr id="1" name=""/>
+        <p:cNvGrpSpPr/>
+        <p:nvPr/>
+      </p:nvGrpSpPr>
+      <p:grpSpPr>
+        <a:xfrm>
+          <a:off x="0" y="0"/>
+          <a:ext cx="0" cy="0"/>
+          <a:chOff x="0" y="0"/>
+          <a:chExt cx="0" cy="0"/>
+        </a:xfrm>
+      </p:grpSpPr>
+      <p:sp>
+        <p:nvSpPr>
+          <p:cNvPr id="2" name="Title 1"/>
+          <p:cNvSpPr>
+            <a:spLocks noGrp="1"/>
+          </p:cNvSpPr>
+          <p:nvPr>
+            <p:ph type="title"/>
+          </p:nvPr>
+        </p:nvSpPr>
+        <p:spPr/>
+        <p:txBody>
+          <a:bodyPr/>
+          <a:lstStyle/>
+          <a:p>
+            <a:endParaRPr lang="en-US"/>
+          </a:p>
+        </p:txBody>
+      </p:sp>
+      <p:sp>
+        <p:nvSpPr>
+          <p:cNvPr id="3" name="Content Placeholder 2"/>
+          <p:cNvSpPr>
+            <a:spLocks noGrp="1"/>
+          </p:cNvSpPr>
+          <p:nvPr>
+            <p:ph idx="1"/>
+          </p:nvPr>
+        </p:nvSpPr>
+        <p:spPr/>
+        <p:txBody>
+          <a:bodyPr/>
+          <a:lstStyle/>
+          <a:p>
+            <a:endParaRPr lang="en-US"/>
+          </a:p>
+        </p:txBody>
+      </p:sp>
+    </p:spTree>
+  </p:cSld>
+  <p:clrMapOvr>
+    <a:masterClrMapping/>
+  </p:clrMapOvr>
+</p:sld>
+</file>
+
+<file path=ppt/slides/slide18.xml><?xml version="1.0" encoding="utf-8"?>
+<p:sld xmlns:a="http://schemas.openxmlformats.org/drawingml/2006/main" xmlns:r="http://schemas.openxmlformats.org/officeDocument/2006/relationships" xmlns:p="http://schemas.openxmlformats.org/presentationml/2006/main">
+  <p:cSld>
+    <p:spTree>
+      <p:nvGrpSpPr>
+        <p:cNvPr id="1" name=""/>
+        <p:cNvGrpSpPr/>
+        <p:nvPr/>
+      </p:nvGrpSpPr>
+      <p:grpSpPr>
+        <a:xfrm>
+          <a:off x="0" y="0"/>
+          <a:ext cx="0" cy="0"/>
+          <a:chOff x="0" y="0"/>
+          <a:chExt cx="0" cy="0"/>
+        </a:xfrm>
+      </p:grpSpPr>
+      <p:sp>
+        <p:nvSpPr>
+          <p:cNvPr id="2" name="Title 1"/>
+          <p:cNvSpPr>
+            <a:spLocks noGrp="1"/>
+          </p:cNvSpPr>
+          <p:nvPr>
+            <p:ph type="title"/>
+          </p:nvPr>
+        </p:nvSpPr>
+        <p:spPr/>
+        <p:txBody>
+          <a:bodyPr/>
+          <a:lstStyle/>
+          <a:p>
+            <a:endParaRPr lang="en-US"/>
+          </a:p>
+        </p:txBody>
+      </p:sp>
+      <p:sp>
+        <p:nvSpPr>
+          <p:cNvPr id="3" name="Content Placeholder 2"/>
+          <p:cNvSpPr>
+            <a:spLocks noGrp="1"/>
+          </p:cNvSpPr>
+          <p:nvPr>
+            <p:ph idx="1"/>
+          </p:nvPr>
+        </p:nvSpPr>
+        <p:spPr/>
+        <p:txBody>
+          <a:bodyPr/>
+          <a:lstStyle/>
+          <a:p>
+            <a:endParaRPr lang="en-US"/>
+          </a:p>
+        </p:txBody>
+      </p:sp>
+    </p:spTree>
+  </p:cSld>
+  <p:clrMapOvr>
+    <a:masterClrMapping/>
+  </p:clrMapOvr>
+</p:sld>
+</file>
+
+<file path=ppt/slides/slide19.xml><?xml version="1.0" encoding="utf-8"?>
+<p:sld xmlns:a="http://schemas.openxmlformats.org/drawingml/2006/main" xmlns:r="http://schemas.openxmlformats.org/officeDocument/2006/relationships" xmlns:p="http://schemas.openxmlformats.org/presentationml/2006/main">
+  <p:cSld>
+    <p:spTree>
+      <p:nvGrpSpPr>
+        <p:cNvPr id="1" name=""/>
+        <p:cNvGrpSpPr/>
+        <p:nvPr/>
+      </p:nvGrpSpPr>
+      <p:grpSpPr>
+        <a:xfrm>
+          <a:off x="0" y="0"/>
+          <a:ext cx="0" cy="0"/>
+          <a:chOff x="0" y="0"/>
+          <a:chExt cx="0" cy="0"/>
+        </a:xfrm>
+      </p:grpSpPr>
+      <p:sp>
+        <p:nvSpPr>
+          <p:cNvPr id="2" name="Title 1"/>
+          <p:cNvSpPr>
+            <a:spLocks noGrp="1"/>
+          </p:cNvSpPr>
+          <p:nvPr>
+            <p:ph type="title"/>
+          </p:nvPr>
+        </p:nvSpPr>
+        <p:spPr/>
+        <p:txBody>
+          <a:bodyPr/>
+          <a:lstStyle/>
+          <a:p>
+            <a:endParaRPr lang="en-US"/>
+          </a:p>
+        </p:txBody>
+      </p:sp>
+      <p:sp>
+        <p:nvSpPr>
+          <p:cNvPr id="3" name="Content Placeholder 2"/>
+          <p:cNvSpPr>
+            <a:spLocks noGrp="1"/>
+          </p:cNvSpPr>
+          <p:nvPr>
+            <p:ph idx="1"/>
+          </p:nvPr>
+        </p:nvSpPr>
+        <p:spPr/>
+        <p:txBody>
+          <a:bodyPr/>
+          <a:lstStyle/>
+          <a:p>
+            <a:endParaRPr lang="en-US"/>
+          </a:p>
+        </p:txBody>
+      </p:sp>
+    </p:spTree>
+  </p:cSld>
+  <p:clrMapOvr>
+    <a:masterClrMapping/>
+  </p:clrMapOvr>
+</p:sld>
+</file>
+
 <file path=ppt/slides/slide2.xml><?xml version="1.0" encoding="utf-8"?>
+<p:sld xmlns:a="http://schemas.openxmlformats.org/drawingml/2006/main" xmlns:r="http://schemas.openxmlformats.org/officeDocument/2006/relationships" xmlns:p="http://schemas.openxmlformats.org/presentationml/2006/main">
+  <p:cSld>
+    <p:spTree>
+      <p:nvGrpSpPr>
+        <p:cNvPr id="1" name=""/>
+        <p:cNvGrpSpPr/>
+        <p:nvPr/>
+      </p:nvGrpSpPr>
+      <p:grpSpPr>
+        <a:xfrm>
+          <a:off x="0" y="0"/>
+          <a:ext cx="0" cy="0"/>
+          <a:chOff x="0" y="0"/>
+          <a:chExt cx="0" cy="0"/>
+        </a:xfrm>
+      </p:grpSpPr>
+      <p:sp>
+        <p:nvSpPr>
+          <p:cNvPr id="2" name="Title 1"/>
+          <p:cNvSpPr>
+            <a:spLocks noGrp="1"/>
+          </p:cNvSpPr>
+          <p:nvPr>
+            <p:ph type="title"/>
+          </p:nvPr>
+        </p:nvSpPr>
+        <p:spPr/>
+        <p:txBody>
+          <a:bodyPr/>
+          <a:lstStyle/>
+          <a:p>
+            <a:r>
+              <a:rPr lang="en-US" dirty="0" smtClean="0"/>
+              <a:t>TDD for Rendering</a:t>
+            </a:r>
+            <a:endParaRPr lang="en-US" dirty="0"/>
+          </a:p>
+        </p:txBody>
+      </p:sp>
+      <p:sp>
+        <p:nvSpPr>
+          <p:cNvPr id="3" name="Content Placeholder 2"/>
+          <p:cNvSpPr>
+            <a:spLocks noGrp="1"/>
+          </p:cNvSpPr>
+          <p:nvPr>
+            <p:ph idx="1"/>
+          </p:nvPr>
+        </p:nvSpPr>
+        <p:spPr/>
+        <p:txBody>
+          <a:bodyPr/>
+          <a:lstStyle/>
+          <a:p>
+            <a:r>
+              <a:rPr lang="en-US" dirty="0" smtClean="0"/>
+              <a:t>Fast feedback loop in development</a:t>
+            </a:r>
+          </a:p>
+          <a:p>
+            <a:r>
+              <a:rPr lang="en-US" dirty="0" smtClean="0"/>
+              <a:t>Catch regression in continuous integration</a:t>
+            </a:r>
+          </a:p>
+          <a:p>
+            <a:endParaRPr lang="en-US" dirty="0"/>
+          </a:p>
+        </p:txBody>
+      </p:sp>
+    </p:spTree>
+  </p:cSld>
+  <p:clrMapOvr>
+    <a:masterClrMapping/>
+  </p:clrMapOvr>
+</p:sld>
+</file>
+
+<file path=ppt/slides/slide20.xml><?xml version="1.0" encoding="utf-8"?>
+<p:sld xmlns:a="http://schemas.openxmlformats.org/drawingml/2006/main" xmlns:r="http://schemas.openxmlformats.org/officeDocument/2006/relationships" xmlns:p="http://schemas.openxmlformats.org/presentationml/2006/main">
+  <p:cSld>
+    <p:spTree>
+      <p:nvGrpSpPr>
+        <p:cNvPr id="1" name=""/>
+        <p:cNvGrpSpPr/>
+        <p:nvPr/>
+      </p:nvGrpSpPr>
+      <p:grpSpPr>
+        <a:xfrm>
+          <a:off x="0" y="0"/>
+          <a:ext cx="0" cy="0"/>
+          <a:chOff x="0" y="0"/>
+          <a:chExt cx="0" cy="0"/>
+        </a:xfrm>
+      </p:grpSpPr>
+      <p:sp>
+        <p:nvSpPr>
+          <p:cNvPr id="2" name="Title 1"/>
+          <p:cNvSpPr>
+            <a:spLocks noGrp="1"/>
+          </p:cNvSpPr>
+          <p:nvPr>
+            <p:ph type="title"/>
+          </p:nvPr>
+        </p:nvSpPr>
+        <p:spPr/>
+        <p:txBody>
+          <a:bodyPr/>
+          <a:lstStyle/>
+          <a:p>
+            <a:endParaRPr lang="en-US"/>
+          </a:p>
+        </p:txBody>
+      </p:sp>
+      <p:sp>
+        <p:nvSpPr>
+          <p:cNvPr id="3" name="Content Placeholder 2"/>
+          <p:cNvSpPr>
+            <a:spLocks noGrp="1"/>
+          </p:cNvSpPr>
+          <p:nvPr>
+            <p:ph idx="1"/>
+          </p:nvPr>
+        </p:nvSpPr>
+        <p:spPr/>
+        <p:txBody>
+          <a:bodyPr/>
+          <a:lstStyle/>
+          <a:p>
+            <a:endParaRPr lang="en-US"/>
+          </a:p>
+        </p:txBody>
+      </p:sp>
+    </p:spTree>
+  </p:cSld>
+  <p:clrMapOvr>
+    <a:masterClrMapping/>
+  </p:clrMapOvr>
+</p:sld>
+</file>
+
+<file path=ppt/slides/slide21.xml><?xml version="1.0" encoding="utf-8"?>
+<p:sld xmlns:a="http://schemas.openxmlformats.org/drawingml/2006/main" xmlns:r="http://schemas.openxmlformats.org/officeDocument/2006/relationships" xmlns:p="http://schemas.openxmlformats.org/presentationml/2006/main">
+  <p:cSld>
+    <p:spTree>
+      <p:nvGrpSpPr>
+        <p:cNvPr id="1" name=""/>
+        <p:cNvGrpSpPr/>
+        <p:nvPr/>
+      </p:nvGrpSpPr>
+      <p:grpSpPr>
+        <a:xfrm>
+          <a:off x="0" y="0"/>
+          <a:ext cx="0" cy="0"/>
+          <a:chOff x="0" y="0"/>
+          <a:chExt cx="0" cy="0"/>
+        </a:xfrm>
+      </p:grpSpPr>
+      <p:sp>
+        <p:nvSpPr>
+          <p:cNvPr id="2" name="Title 1"/>
+          <p:cNvSpPr>
+            <a:spLocks noGrp="1"/>
+          </p:cNvSpPr>
+          <p:nvPr>
+            <p:ph type="title"/>
+          </p:nvPr>
+        </p:nvSpPr>
+        <p:spPr/>
+        <p:txBody>
+          <a:bodyPr/>
+          <a:lstStyle/>
+          <a:p>
+            <a:endParaRPr lang="en-US"/>
+          </a:p>
+        </p:txBody>
+      </p:sp>
+      <p:sp>
+        <p:nvSpPr>
+          <p:cNvPr id="3" name="Content Placeholder 2"/>
+          <p:cNvSpPr>
+            <a:spLocks noGrp="1"/>
+          </p:cNvSpPr>
+          <p:nvPr>
+            <p:ph idx="1"/>
+          </p:nvPr>
+        </p:nvSpPr>
+        <p:spPr/>
+        <p:txBody>
+          <a:bodyPr/>
+          <a:lstStyle/>
+          <a:p>
+            <a:endParaRPr lang="en-US"/>
+          </a:p>
+        </p:txBody>
+      </p:sp>
+    </p:spTree>
+  </p:cSld>
+  <p:clrMapOvr>
+    <a:masterClrMapping/>
+  </p:clrMapOvr>
+</p:sld>
+</file>
+
+<file path=ppt/slides/slide22.xml><?xml version="1.0" encoding="utf-8"?>
+<p:sld xmlns:a="http://schemas.openxmlformats.org/drawingml/2006/main" xmlns:r="http://schemas.openxmlformats.org/officeDocument/2006/relationships" xmlns:p="http://schemas.openxmlformats.org/presentationml/2006/main">
+  <p:cSld>
+    <p:spTree>
+      <p:nvGrpSpPr>
+        <p:cNvPr id="1" name=""/>
+        <p:cNvGrpSpPr/>
+        <p:nvPr/>
+      </p:nvGrpSpPr>
+      <p:grpSpPr>
+        <a:xfrm>
+          <a:off x="0" y="0"/>
+          <a:ext cx="0" cy="0"/>
+          <a:chOff x="0" y="0"/>
+          <a:chExt cx="0" cy="0"/>
+        </a:xfrm>
+      </p:grpSpPr>
+      <p:sp>
+        <p:nvSpPr>
+          <p:cNvPr id="2" name="Title 1"/>
+          <p:cNvSpPr>
+            <a:spLocks noGrp="1"/>
+          </p:cNvSpPr>
+          <p:nvPr>
+            <p:ph type="title"/>
+          </p:nvPr>
+        </p:nvSpPr>
+        <p:spPr/>
+        <p:txBody>
+          <a:bodyPr/>
+          <a:lstStyle/>
+          <a:p>
+            <a:endParaRPr lang="en-US"/>
+          </a:p>
+        </p:txBody>
+      </p:sp>
+      <p:sp>
+        <p:nvSpPr>
+          <p:cNvPr id="3" name="Content Placeholder 2"/>
+          <p:cNvSpPr>
+            <a:spLocks noGrp="1"/>
+          </p:cNvSpPr>
+          <p:nvPr>
+            <p:ph idx="1"/>
+          </p:nvPr>
+        </p:nvSpPr>
+        <p:spPr/>
+        <p:txBody>
+          <a:bodyPr/>
+          <a:lstStyle/>
+          <a:p>
+            <a:endParaRPr lang="en-US"/>
+          </a:p>
+        </p:txBody>
+      </p:sp>
+    </p:spTree>
+  </p:cSld>
+  <p:clrMapOvr>
+    <a:masterClrMapping/>
+  </p:clrMapOvr>
+</p:sld>
+</file>
+
+<file path=ppt/slides/slide23.xml><?xml version="1.0" encoding="utf-8"?>
+<p:sld xmlns:a="http://schemas.openxmlformats.org/drawingml/2006/main" xmlns:r="http://schemas.openxmlformats.org/officeDocument/2006/relationships" xmlns:p="http://schemas.openxmlformats.org/presentationml/2006/main">
+  <p:cSld>
+    <p:spTree>
+      <p:nvGrpSpPr>
+        <p:cNvPr id="1" name=""/>
+        <p:cNvGrpSpPr/>
+        <p:nvPr/>
+      </p:nvGrpSpPr>
+      <p:grpSpPr>
+        <a:xfrm>
+          <a:off x="0" y="0"/>
+          <a:ext cx="0" cy="0"/>
+          <a:chOff x="0" y="0"/>
+          <a:chExt cx="0" cy="0"/>
+        </a:xfrm>
+      </p:grpSpPr>
+      <p:sp>
+        <p:nvSpPr>
+          <p:cNvPr id="2" name="Title 1"/>
+          <p:cNvSpPr>
+            <a:spLocks noGrp="1"/>
+          </p:cNvSpPr>
+          <p:nvPr>
+            <p:ph type="title"/>
+          </p:nvPr>
+        </p:nvSpPr>
+        <p:spPr/>
+        <p:txBody>
+          <a:bodyPr/>
+          <a:lstStyle/>
+          <a:p>
+            <a:endParaRPr lang="en-US"/>
+          </a:p>
+        </p:txBody>
+      </p:sp>
+      <p:sp>
+        <p:nvSpPr>
+          <p:cNvPr id="3" name="Content Placeholder 2"/>
+          <p:cNvSpPr>
+            <a:spLocks noGrp="1"/>
+          </p:cNvSpPr>
+          <p:nvPr>
+            <p:ph idx="1"/>
+          </p:nvPr>
+        </p:nvSpPr>
+        <p:spPr/>
+        <p:txBody>
+          <a:bodyPr/>
+          <a:lstStyle/>
+          <a:p>
+            <a:endParaRPr lang="en-US"/>
+          </a:p>
+        </p:txBody>
+      </p:sp>
+    </p:spTree>
+  </p:cSld>
+  <p:clrMapOvr>
+    <a:masterClrMapping/>
+  </p:clrMapOvr>
+</p:sld>
+</file>
+
+<file path=ppt/slides/slide24.xml><?xml version="1.0" encoding="utf-8"?>
+<p:sld xmlns:a="http://schemas.openxmlformats.org/drawingml/2006/main" xmlns:r="http://schemas.openxmlformats.org/officeDocument/2006/relationships" xmlns:p="http://schemas.openxmlformats.org/presentationml/2006/main">
+  <p:cSld>
+    <p:spTree>
+      <p:nvGrpSpPr>
+        <p:cNvPr id="1" name=""/>
+        <p:cNvGrpSpPr/>
+        <p:nvPr/>
+      </p:nvGrpSpPr>
+      <p:grpSpPr>
+        <a:xfrm>
+          <a:off x="0" y="0"/>
+          <a:ext cx="0" cy="0"/>
+          <a:chOff x="0" y="0"/>
+          <a:chExt cx="0" cy="0"/>
+        </a:xfrm>
+      </p:grpSpPr>
+      <p:sp>
+        <p:nvSpPr>
+          <p:cNvPr id="2" name="Title 1"/>
+          <p:cNvSpPr>
+            <a:spLocks noGrp="1"/>
+          </p:cNvSpPr>
+          <p:nvPr>
+            <p:ph type="title"/>
+          </p:nvPr>
+        </p:nvSpPr>
+        <p:spPr/>
+        <p:txBody>
+          <a:bodyPr/>
+          <a:lstStyle/>
+          <a:p>
+            <a:endParaRPr lang="en-US"/>
+          </a:p>
+        </p:txBody>
+      </p:sp>
+      <p:sp>
+        <p:nvSpPr>
+          <p:cNvPr id="3" name="Content Placeholder 2"/>
+          <p:cNvSpPr>
+            <a:spLocks noGrp="1"/>
+          </p:cNvSpPr>
+          <p:nvPr>
+            <p:ph idx="1"/>
+          </p:nvPr>
+        </p:nvSpPr>
+        <p:spPr/>
+        <p:txBody>
+          <a:bodyPr/>
+          <a:lstStyle/>
+          <a:p>
+            <a:endParaRPr lang="en-US"/>
+          </a:p>
+        </p:txBody>
+      </p:sp>
+    </p:spTree>
+  </p:cSld>
+  <p:clrMapOvr>
+    <a:masterClrMapping/>
+  </p:clrMapOvr>
+</p:sld>
+</file>
+
+<file path=ppt/slides/slide25.xml><?xml version="1.0" encoding="utf-8"?>
+<p:sld xmlns:a="http://schemas.openxmlformats.org/drawingml/2006/main" xmlns:r="http://schemas.openxmlformats.org/officeDocument/2006/relationships" xmlns:p="http://schemas.openxmlformats.org/presentationml/2006/main">
+  <p:cSld>
+    <p:spTree>
+      <p:nvGrpSpPr>
+        <p:cNvPr id="1" name=""/>
+        <p:cNvGrpSpPr/>
+        <p:nvPr/>
+      </p:nvGrpSpPr>
+      <p:grpSpPr>
+        <a:xfrm>
+          <a:off x="0" y="0"/>
+          <a:ext cx="0" cy="0"/>
+          <a:chOff x="0" y="0"/>
+          <a:chExt cx="0" cy="0"/>
+        </a:xfrm>
+      </p:grpSpPr>
+      <p:sp>
+        <p:nvSpPr>
+          <p:cNvPr id="2" name="Title 1"/>
+          <p:cNvSpPr>
+            <a:spLocks noGrp="1"/>
+          </p:cNvSpPr>
+          <p:nvPr>
+            <p:ph type="title"/>
+          </p:nvPr>
+        </p:nvSpPr>
+        <p:spPr/>
+        <p:txBody>
+          <a:bodyPr/>
+          <a:lstStyle/>
+          <a:p>
+            <a:endParaRPr lang="en-US"/>
+          </a:p>
+        </p:txBody>
+      </p:sp>
+      <p:sp>
+        <p:nvSpPr>
+          <p:cNvPr id="3" name="Content Placeholder 2"/>
+          <p:cNvSpPr>
+            <a:spLocks noGrp="1"/>
+          </p:cNvSpPr>
+          <p:nvPr>
+            <p:ph idx="1"/>
+          </p:nvPr>
+        </p:nvSpPr>
+        <p:spPr/>
+        <p:txBody>
+          <a:bodyPr/>
+          <a:lstStyle/>
+          <a:p>
+            <a:endParaRPr lang="en-US"/>
+          </a:p>
+        </p:txBody>
+      </p:sp>
+    </p:spTree>
+  </p:cSld>
+  <p:clrMapOvr>
+    <a:masterClrMapping/>
+  </p:clrMapOvr>
+</p:sld>
+</file>
+
+<file path=ppt/slides/slide26.xml><?xml version="1.0" encoding="utf-8"?>
 <p:sld xmlns:a="http://schemas.openxmlformats.org/drawingml/2006/main" xmlns:r="http://schemas.openxmlformats.org/officeDocument/2006/relationships" xmlns:p="http://schemas.openxmlformats.org/presentationml/2006/main">
   <p:cSld>
     <p:spTree>
@@ -3176,6 +4325,558 @@
             <a:r>
               <a:rPr lang="en-US" dirty="0" smtClean="0"/>
               <a:t>http://javabeat.net/embedding-html-into-java-swing-applications/</a:t>
+            </a:r>
+            <a:endParaRPr lang="en-US" dirty="0"/>
+          </a:p>
+        </p:txBody>
+      </p:sp>
+    </p:spTree>
+  </p:cSld>
+  <p:clrMapOvr>
+    <a:masterClrMapping/>
+  </p:clrMapOvr>
+</p:sld>
+</file>
+
+<file path=ppt/slides/slide3.xml><?xml version="1.0" encoding="utf-8"?>
+<p:sld xmlns:a="http://schemas.openxmlformats.org/drawingml/2006/main" xmlns:r="http://schemas.openxmlformats.org/officeDocument/2006/relationships" xmlns:p="http://schemas.openxmlformats.org/presentationml/2006/main">
+  <p:cSld>
+    <p:spTree>
+      <p:nvGrpSpPr>
+        <p:cNvPr id="1" name=""/>
+        <p:cNvGrpSpPr/>
+        <p:nvPr/>
+      </p:nvGrpSpPr>
+      <p:grpSpPr>
+        <a:xfrm>
+          <a:off x="0" y="0"/>
+          <a:ext cx="0" cy="0"/>
+          <a:chOff x="0" y="0"/>
+          <a:chExt cx="0" cy="0"/>
+        </a:xfrm>
+      </p:grpSpPr>
+      <p:sp>
+        <p:nvSpPr>
+          <p:cNvPr id="2" name="Title 1"/>
+          <p:cNvSpPr>
+            <a:spLocks noGrp="1"/>
+          </p:cNvSpPr>
+          <p:nvPr>
+            <p:ph type="title"/>
+          </p:nvPr>
+        </p:nvSpPr>
+        <p:spPr/>
+        <p:txBody>
+          <a:bodyPr/>
+          <a:lstStyle/>
+          <a:p>
+            <a:r>
+              <a:rPr lang="en-US" dirty="0" smtClean="0"/>
+              <a:t>Determinism is hard </a:t>
+            </a:r>
+            <a:endParaRPr lang="en-US" dirty="0"/>
+          </a:p>
+        </p:txBody>
+      </p:sp>
+      <p:sp>
+        <p:nvSpPr>
+          <p:cNvPr id="3" name="Content Placeholder 2"/>
+          <p:cNvSpPr>
+            <a:spLocks noGrp="1"/>
+          </p:cNvSpPr>
+          <p:nvPr>
+            <p:ph idx="1"/>
+          </p:nvPr>
+        </p:nvSpPr>
+        <p:spPr/>
+        <p:txBody>
+          <a:bodyPr/>
+          <a:lstStyle/>
+          <a:p>
+            <a:r>
+              <a:rPr lang="en-US" dirty="0" smtClean="0"/>
+              <a:t>Monkey runner does screenshot-bad</a:t>
+            </a:r>
+          </a:p>
+          <a:p>
+            <a:r>
+              <a:rPr lang="en-US" dirty="0" smtClean="0"/>
+              <a:t>Screenshot from instrumentation test –activity instrumentation – Animation missing</a:t>
+            </a:r>
+          </a:p>
+          <a:p>
+            <a:endParaRPr lang="en-US" dirty="0" smtClean="0"/>
+          </a:p>
+          <a:p>
+            <a:endParaRPr lang="en-US" dirty="0"/>
+          </a:p>
+        </p:txBody>
+      </p:sp>
+    </p:spTree>
+  </p:cSld>
+  <p:clrMapOvr>
+    <a:masterClrMapping/>
+  </p:clrMapOvr>
+</p:sld>
+</file>
+
+<file path=ppt/slides/slide4.xml><?xml version="1.0" encoding="utf-8"?>
+<p:sld xmlns:a="http://schemas.openxmlformats.org/drawingml/2006/main" xmlns:r="http://schemas.openxmlformats.org/officeDocument/2006/relationships" xmlns:p="http://schemas.openxmlformats.org/presentationml/2006/main">
+  <p:cSld>
+    <p:spTree>
+      <p:nvGrpSpPr>
+        <p:cNvPr id="1" name=""/>
+        <p:cNvGrpSpPr/>
+        <p:nvPr/>
+      </p:nvGrpSpPr>
+      <p:grpSpPr>
+        <a:xfrm>
+          <a:off x="0" y="0"/>
+          <a:ext cx="0" cy="0"/>
+          <a:chOff x="0" y="0"/>
+          <a:chExt cx="0" cy="0"/>
+        </a:xfrm>
+      </p:grpSpPr>
+      <p:sp>
+        <p:nvSpPr>
+          <p:cNvPr id="2" name="Title 1"/>
+          <p:cNvSpPr>
+            <a:spLocks noGrp="1"/>
+          </p:cNvSpPr>
+          <p:nvPr>
+            <p:ph type="title"/>
+          </p:nvPr>
+        </p:nvSpPr>
+        <p:spPr/>
+        <p:txBody>
+          <a:bodyPr/>
+          <a:lstStyle/>
+          <a:p>
+            <a:r>
+              <a:rPr lang="en-US" dirty="0" smtClean="0"/>
+              <a:t>Our Approach</a:t>
+            </a:r>
+            <a:endParaRPr lang="en-US" dirty="0"/>
+          </a:p>
+        </p:txBody>
+      </p:sp>
+      <p:sp>
+        <p:nvSpPr>
+          <p:cNvPr id="3" name="Content Placeholder 2"/>
+          <p:cNvSpPr>
+            <a:spLocks noGrp="1"/>
+          </p:cNvSpPr>
+          <p:nvPr>
+            <p:ph idx="1"/>
+          </p:nvPr>
+        </p:nvSpPr>
+        <p:spPr/>
+        <p:txBody>
+          <a:bodyPr/>
+          <a:lstStyle/>
+          <a:p>
+            <a:r>
+              <a:rPr lang="en-US" dirty="0" smtClean="0"/>
+              <a:t>Mimic measure(), layout() and draw()</a:t>
+            </a:r>
+          </a:p>
+          <a:p>
+            <a:r>
+              <a:rPr lang="en-US" dirty="0" smtClean="0"/>
+              <a:t>All on the test thread</a:t>
+            </a:r>
+          </a:p>
+          <a:p>
+            <a:r>
+              <a:rPr lang="en-US" dirty="0" smtClean="0"/>
+              <a:t>Fast and deterministic</a:t>
+            </a:r>
+            <a:endParaRPr lang="en-US" dirty="0"/>
+          </a:p>
+        </p:txBody>
+      </p:sp>
+    </p:spTree>
+  </p:cSld>
+  <p:clrMapOvr>
+    <a:masterClrMapping/>
+  </p:clrMapOvr>
+</p:sld>
+</file>
+
+<file path=ppt/slides/slide5.xml><?xml version="1.0" encoding="utf-8"?>
+<p:sld xmlns:a="http://schemas.openxmlformats.org/drawingml/2006/main" xmlns:r="http://schemas.openxmlformats.org/officeDocument/2006/relationships" xmlns:p="http://schemas.openxmlformats.org/presentationml/2006/main">
+  <p:cSld>
+    <p:spTree>
+      <p:nvGrpSpPr>
+        <p:cNvPr id="1" name=""/>
+        <p:cNvGrpSpPr/>
+        <p:nvPr/>
+      </p:nvGrpSpPr>
+      <p:grpSpPr>
+        <a:xfrm>
+          <a:off x="0" y="0"/>
+          <a:ext cx="0" cy="0"/>
+          <a:chOff x="0" y="0"/>
+          <a:chExt cx="0" cy="0"/>
+        </a:xfrm>
+      </p:grpSpPr>
+      <p:sp>
+        <p:nvSpPr>
+          <p:cNvPr id="2" name="Title 1"/>
+          <p:cNvSpPr>
+            <a:spLocks noGrp="1"/>
+          </p:cNvSpPr>
+          <p:nvPr>
+            <p:ph type="title"/>
+          </p:nvPr>
+        </p:nvSpPr>
+        <p:spPr/>
+        <p:txBody>
+          <a:bodyPr/>
+          <a:lstStyle/>
+          <a:p>
+            <a:r>
+              <a:rPr lang="en-US" dirty="0" smtClean="0"/>
+              <a:t>Let’s talk code</a:t>
+            </a:r>
+            <a:endParaRPr lang="en-US" dirty="0"/>
+          </a:p>
+        </p:txBody>
+      </p:sp>
+      <p:sp>
+        <p:nvSpPr>
+          <p:cNvPr id="3" name="Content Placeholder 2"/>
+          <p:cNvSpPr>
+            <a:spLocks noGrp="1"/>
+          </p:cNvSpPr>
+          <p:nvPr>
+            <p:ph idx="1"/>
+          </p:nvPr>
+        </p:nvSpPr>
+        <p:spPr/>
+        <p:txBody>
+          <a:bodyPr/>
+          <a:lstStyle/>
+          <a:p>
+            <a:endParaRPr lang="en-US"/>
+          </a:p>
+        </p:txBody>
+      </p:sp>
+    </p:spTree>
+  </p:cSld>
+  <p:clrMapOvr>
+    <a:masterClrMapping/>
+  </p:clrMapOvr>
+</p:sld>
+</file>
+
+<file path=ppt/slides/slide6.xml><?xml version="1.0" encoding="utf-8"?>
+<p:sld xmlns:a="http://schemas.openxmlformats.org/drawingml/2006/main" xmlns:r="http://schemas.openxmlformats.org/officeDocument/2006/relationships" xmlns:p="http://schemas.openxmlformats.org/presentationml/2006/main">
+  <p:cSld>
+    <p:spTree>
+      <p:nvGrpSpPr>
+        <p:cNvPr id="1" name=""/>
+        <p:cNvGrpSpPr/>
+        <p:nvPr/>
+      </p:nvGrpSpPr>
+      <p:grpSpPr>
+        <a:xfrm>
+          <a:off x="0" y="0"/>
+          <a:ext cx="0" cy="0"/>
+          <a:chOff x="0" y="0"/>
+          <a:chExt cx="0" cy="0"/>
+        </a:xfrm>
+      </p:grpSpPr>
+      <p:sp>
+        <p:nvSpPr>
+          <p:cNvPr id="2" name="Title 1"/>
+          <p:cNvSpPr>
+            <a:spLocks noGrp="1"/>
+          </p:cNvSpPr>
+          <p:nvPr>
+            <p:ph type="title"/>
+          </p:nvPr>
+        </p:nvSpPr>
+        <p:spPr/>
+        <p:txBody>
+          <a:bodyPr/>
+          <a:lstStyle/>
+          <a:p>
+            <a:r>
+              <a:rPr lang="en-US" dirty="0" smtClean="0"/>
+              <a:t>Record and Verify Model</a:t>
+            </a:r>
+            <a:endParaRPr lang="en-US" dirty="0"/>
+          </a:p>
+        </p:txBody>
+      </p:sp>
+      <p:sp>
+        <p:nvSpPr>
+          <p:cNvPr id="3" name="Content Placeholder 2"/>
+          <p:cNvSpPr>
+            <a:spLocks noGrp="1"/>
+          </p:cNvSpPr>
+          <p:nvPr>
+            <p:ph idx="1"/>
+          </p:nvPr>
+        </p:nvSpPr>
+        <p:spPr/>
+        <p:txBody>
+          <a:bodyPr/>
+          <a:lstStyle/>
+          <a:p>
+            <a:endParaRPr lang="en-US"/>
+          </a:p>
+        </p:txBody>
+      </p:sp>
+    </p:spTree>
+  </p:cSld>
+  <p:clrMapOvr>
+    <a:masterClrMapping/>
+  </p:clrMapOvr>
+</p:sld>
+</file>
+
+<file path=ppt/slides/slide7.xml><?xml version="1.0" encoding="utf-8"?>
+<p:sld xmlns:a="http://schemas.openxmlformats.org/drawingml/2006/main" xmlns:r="http://schemas.openxmlformats.org/officeDocument/2006/relationships" xmlns:p="http://schemas.openxmlformats.org/presentationml/2006/main">
+  <p:cSld>
+    <p:spTree>
+      <p:nvGrpSpPr>
+        <p:cNvPr id="1" name=""/>
+        <p:cNvGrpSpPr/>
+        <p:nvPr/>
+      </p:nvGrpSpPr>
+      <p:grpSpPr>
+        <a:xfrm>
+          <a:off x="0" y="0"/>
+          <a:ext cx="0" cy="0"/>
+          <a:chOff x="0" y="0"/>
+          <a:chExt cx="0" cy="0"/>
+        </a:xfrm>
+      </p:grpSpPr>
+      <p:sp>
+        <p:nvSpPr>
+          <p:cNvPr id="2" name="Title 1"/>
+          <p:cNvSpPr>
+            <a:spLocks noGrp="1"/>
+          </p:cNvSpPr>
+          <p:nvPr>
+            <p:ph type="title"/>
+          </p:nvPr>
+        </p:nvSpPr>
+        <p:spPr/>
+        <p:txBody>
+          <a:bodyPr/>
+          <a:lstStyle/>
+          <a:p>
+            <a:r>
+              <a:rPr lang="en-US" dirty="0" smtClean="0"/>
+              <a:t>Record/Verify</a:t>
+            </a:r>
+            <a:endParaRPr lang="en-US" dirty="0"/>
+          </a:p>
+        </p:txBody>
+      </p:sp>
+      <p:sp>
+        <p:nvSpPr>
+          <p:cNvPr id="3" name="Content Placeholder 2"/>
+          <p:cNvSpPr>
+            <a:spLocks noGrp="1"/>
+          </p:cNvSpPr>
+          <p:nvPr>
+            <p:ph idx="1"/>
+          </p:nvPr>
+        </p:nvSpPr>
+        <p:spPr/>
+        <p:txBody>
+          <a:bodyPr/>
+          <a:lstStyle/>
+          <a:p>
+            <a:r>
+              <a:rPr lang="en-US" dirty="0" smtClean="0"/>
+              <a:t>Not much tooling required</a:t>
+            </a:r>
+          </a:p>
+          <a:p>
+            <a:r>
+              <a:rPr lang="en-US" dirty="0" smtClean="0"/>
+              <a:t>Used by </a:t>
+            </a:r>
+            <a:r>
+              <a:rPr lang="en-US" dirty="0" err="1" smtClean="0"/>
+              <a:t>iOS</a:t>
+            </a:r>
+            <a:r>
+              <a:rPr lang="en-US" dirty="0" smtClean="0"/>
+              <a:t> teams at </a:t>
+            </a:r>
+            <a:r>
+              <a:rPr lang="en-US" dirty="0" err="1" smtClean="0"/>
+              <a:t>facebook</a:t>
+            </a:r>
+            <a:endParaRPr lang="en-US" dirty="0"/>
+          </a:p>
+        </p:txBody>
+      </p:sp>
+    </p:spTree>
+  </p:cSld>
+  <p:clrMapOvr>
+    <a:masterClrMapping/>
+  </p:clrMapOvr>
+</p:sld>
+</file>
+
+<file path=ppt/slides/slide8.xml><?xml version="1.0" encoding="utf-8"?>
+<p:sld xmlns:a="http://schemas.openxmlformats.org/drawingml/2006/main" xmlns:r="http://schemas.openxmlformats.org/officeDocument/2006/relationships" xmlns:p="http://schemas.openxmlformats.org/presentationml/2006/main">
+  <p:cSld>
+    <p:spTree>
+      <p:nvGrpSpPr>
+        <p:cNvPr id="1" name=""/>
+        <p:cNvGrpSpPr/>
+        <p:nvPr/>
+      </p:nvGrpSpPr>
+      <p:grpSpPr>
+        <a:xfrm>
+          <a:off x="0" y="0"/>
+          <a:ext cx="0" cy="0"/>
+          <a:chOff x="0" y="0"/>
+          <a:chExt cx="0" cy="0"/>
+        </a:xfrm>
+      </p:grpSpPr>
+      <p:sp>
+        <p:nvSpPr>
+          <p:cNvPr id="2" name="Title 1"/>
+          <p:cNvSpPr>
+            <a:spLocks noGrp="1"/>
+          </p:cNvSpPr>
+          <p:nvPr>
+            <p:ph type="title"/>
+          </p:nvPr>
+        </p:nvSpPr>
+        <p:spPr/>
+        <p:txBody>
+          <a:bodyPr/>
+          <a:lstStyle/>
+          <a:p>
+            <a:r>
+              <a:rPr lang="en-US" dirty="0" smtClean="0"/>
+              <a:t>More work for developer</a:t>
+            </a:r>
+            <a:endParaRPr lang="en-US" dirty="0"/>
+          </a:p>
+        </p:txBody>
+      </p:sp>
+      <p:sp>
+        <p:nvSpPr>
+          <p:cNvPr id="3" name="Content Placeholder 2"/>
+          <p:cNvSpPr>
+            <a:spLocks noGrp="1"/>
+          </p:cNvSpPr>
+          <p:nvPr>
+            <p:ph idx="1"/>
+          </p:nvPr>
+        </p:nvSpPr>
+        <p:spPr/>
+        <p:txBody>
+          <a:bodyPr/>
+          <a:lstStyle/>
+          <a:p>
+            <a:r>
+              <a:rPr lang="en-US" dirty="0" err="1" smtClean="0"/>
+              <a:t>Atleast</a:t>
+            </a:r>
+            <a:r>
+              <a:rPr lang="en-US" dirty="0" smtClean="0"/>
+              <a:t> 3-4 changes a day</a:t>
+            </a:r>
+          </a:p>
+          <a:p>
+            <a:r>
+              <a:rPr lang="en-US" dirty="0" smtClean="0"/>
+              <a:t>But rarely ~1 regression a week</a:t>
+            </a:r>
+          </a:p>
+          <a:p>
+            <a:r>
+              <a:rPr lang="en-US" dirty="0" smtClean="0"/>
+              <a:t>Optimize workflow for intentional changes!</a:t>
+            </a:r>
+            <a:endParaRPr lang="en-US" dirty="0"/>
+          </a:p>
+        </p:txBody>
+      </p:sp>
+    </p:spTree>
+  </p:cSld>
+  <p:clrMapOvr>
+    <a:masterClrMapping/>
+  </p:clrMapOvr>
+</p:sld>
+</file>
+
+<file path=ppt/slides/slide9.xml><?xml version="1.0" encoding="utf-8"?>
+<p:sld xmlns:a="http://schemas.openxmlformats.org/drawingml/2006/main" xmlns:r="http://schemas.openxmlformats.org/officeDocument/2006/relationships" xmlns:p="http://schemas.openxmlformats.org/presentationml/2006/main">
+  <p:cSld>
+    <p:spTree>
+      <p:nvGrpSpPr>
+        <p:cNvPr id="1" name=""/>
+        <p:cNvGrpSpPr/>
+        <p:nvPr/>
+      </p:nvGrpSpPr>
+      <p:grpSpPr>
+        <a:xfrm>
+          <a:off x="0" y="0"/>
+          <a:ext cx="0" cy="0"/>
+          <a:chOff x="0" y="0"/>
+          <a:chExt cx="0" cy="0"/>
+        </a:xfrm>
+      </p:grpSpPr>
+      <p:sp>
+        <p:nvSpPr>
+          <p:cNvPr id="2" name="Title 1"/>
+          <p:cNvSpPr>
+            <a:spLocks noGrp="1"/>
+          </p:cNvSpPr>
+          <p:nvPr>
+            <p:ph type="title"/>
+          </p:nvPr>
+        </p:nvSpPr>
+        <p:spPr/>
+        <p:txBody>
+          <a:bodyPr/>
+          <a:lstStyle/>
+          <a:p>
+            <a:r>
+              <a:rPr lang="en-US" dirty="0" smtClean="0"/>
+              <a:t>Continuous Integration and Bisect</a:t>
+            </a:r>
+            <a:endParaRPr lang="en-US" dirty="0"/>
+          </a:p>
+        </p:txBody>
+      </p:sp>
+      <p:sp>
+        <p:nvSpPr>
+          <p:cNvPr id="3" name="Content Placeholder 2"/>
+          <p:cNvSpPr>
+            <a:spLocks noGrp="1"/>
+          </p:cNvSpPr>
+          <p:nvPr>
+            <p:ph idx="1"/>
+          </p:nvPr>
+        </p:nvSpPr>
+        <p:spPr/>
+        <p:txBody>
+          <a:bodyPr/>
+          <a:lstStyle/>
+          <a:p>
+            <a:r>
+              <a:rPr lang="en-US" dirty="0" smtClean="0"/>
+              <a:t>Run the tests hourly</a:t>
+            </a:r>
+          </a:p>
+          <a:p>
+            <a:r>
+              <a:rPr lang="en-US" dirty="0" smtClean="0"/>
+              <a:t>Bisect changes to commit and notify author</a:t>
             </a:r>
             <a:endParaRPr lang="en-US" dirty="0"/>
           </a:p>
